--- a/task3.pptx
+++ b/task3.pptx
@@ -9579,42 +9579,42 @@
             <a:lstStyle/>
             <a:p>
               <a:r>
-                <a:rPr lang="en-US" dirty="0" smtClean="0"/>
-                <a:t>T part</a:t>
-              </a:r>
-              <a:endParaRPr lang="en-US" dirty="0"/>
-            </a:p>
-          </p:txBody>
-        </p:sp>
-        <p:sp>
-          <p:nvSpPr>
-            <p:cNvPr id="127" name="TextBox 126"/>
-            <p:cNvSpPr txBox="1"/>
-            <p:nvPr/>
-          </p:nvSpPr>
-          <p:spPr>
-            <a:xfrm>
-              <a:off x="8963280" y="5186513"/>
-              <a:ext cx="1003300" cy="369332"/>
-            </a:xfrm>
-            <a:prstGeom prst="rect">
-              <a:avLst/>
-            </a:prstGeom>
-            <a:noFill/>
-          </p:spPr>
-          <p:txBody>
-            <a:bodyPr wrap="square" rtlCol="0">
-              <a:spAutoFit/>
-            </a:bodyPr>
-            <a:lstStyle/>
-            <a:p>
-              <a:r>
                 <a:rPr lang="en-US" dirty="0"/>
-                <a:t>Y</a:t>
+                <a:t>y</a:t>
               </a:r>
               <a:r>
                 <a:rPr lang="en-US" dirty="0" smtClean="0"/>
                 <a:t> part</a:t>
+              </a:r>
+              <a:endParaRPr lang="en-US" dirty="0"/>
+            </a:p>
+          </p:txBody>
+        </p:sp>
+        <p:sp>
+          <p:nvSpPr>
+            <p:cNvPr id="127" name="TextBox 126"/>
+            <p:cNvSpPr txBox="1"/>
+            <p:nvPr/>
+          </p:nvSpPr>
+          <p:spPr>
+            <a:xfrm>
+              <a:off x="8963280" y="5186513"/>
+              <a:ext cx="1003300" cy="369332"/>
+            </a:xfrm>
+            <a:prstGeom prst="rect">
+              <a:avLst/>
+            </a:prstGeom>
+            <a:noFill/>
+          </p:spPr>
+          <p:txBody>
+            <a:bodyPr wrap="square" rtlCol="0">
+              <a:spAutoFit/>
+            </a:bodyPr>
+            <a:lstStyle/>
+            <a:p>
+              <a:r>
+                <a:rPr lang="en-US" dirty="0" smtClean="0"/>
+                <a:t>t part</a:t>
               </a:r>
               <a:endParaRPr lang="en-US" dirty="0"/>
             </a:p>
